--- a/SE_12주차(수정).pptx
+++ b/SE_12주차(수정).pptx
@@ -300,7 +300,7 @@
           <a:p>
             <a:fld id="{E153B4DF-6A10-4376-BBF6-14B4572800C0}" type="datetimeFigureOut">
               <a:rPr lang="ko-KR" altLang="en-US" smtClean="0"/>
-              <a:t>2019-11-21</a:t>
+              <a:t>2019-11-27</a:t>
             </a:fld>
             <a:endParaRPr lang="ko-KR" altLang="en-US"/>
           </a:p>
@@ -513,7 +513,7 @@
               <a:pPr>
                 <a:defRPr/>
               </a:pPr>
-              <a:t>2019-11-21</a:t>
+              <a:t>2019-11-27</a:t>
             </a:fld>
             <a:endParaRPr lang="ko-KR" altLang="en-US"/>
           </a:p>
@@ -3602,7 +3602,7 @@
               <a:pPr>
                 <a:defRPr/>
               </a:pPr>
-              <a:t>2019-11-21</a:t>
+              <a:t>2019-11-27</a:t>
             </a:fld>
             <a:endParaRPr lang="en-US" altLang="ko-KR"/>
           </a:p>
@@ -5191,7 +5191,7 @@
     <mc:Choice Requires="p14">
       <p:transition/>
     </mc:Choice>
-    <mc:Fallback xmlns:dsp="http://schemas.microsoft.com/office/drawing/2008/diagram" xmlns:dgm="http://schemas.openxmlformats.org/drawingml/2006/diagram" xmlns:c="http://schemas.openxmlformats.org/drawingml/2006/chart" xmlns="">
+    <mc:Fallback xmlns="" xmlns:c="http://schemas.openxmlformats.org/drawingml/2006/chart" xmlns:dgm="http://schemas.openxmlformats.org/drawingml/2006/diagram" xmlns:dsp="http://schemas.microsoft.com/office/drawing/2008/diagram">
       <p:transition/>
     </mc:Fallback>
   </mc:AlternateContent>
@@ -9817,6 +9817,12 @@
                 <a:latin typeface="+mn-ea"/>
               </a:rPr>
               <a:t>1024</a:t>
+            </a:r>
+            <a:r>
+              <a:rPr lang="ko-KR" altLang="en-US" sz="1800" dirty="0">
+                <a:latin typeface="+mn-ea"/>
+              </a:rPr>
+              <a:t>보</a:t>
             </a:r>
             <a:r>
               <a:rPr lang="ko-KR" altLang="ko-KR" sz="1800" dirty="0">
@@ -14464,7 +14470,7 @@
     <mc:Choice Requires="p14">
       <p:transition/>
     </mc:Choice>
-    <mc:Fallback xmlns:dsp="http://schemas.microsoft.com/office/drawing/2008/diagram" xmlns:dgm="http://schemas.openxmlformats.org/drawingml/2006/diagram" xmlns:c="http://schemas.openxmlformats.org/drawingml/2006/chart" xmlns="">
+    <mc:Fallback xmlns="" xmlns:c="http://schemas.openxmlformats.org/drawingml/2006/chart" xmlns:dgm="http://schemas.openxmlformats.org/drawingml/2006/diagram" xmlns:dsp="http://schemas.microsoft.com/office/drawing/2008/diagram">
       <p:transition/>
     </mc:Fallback>
   </mc:AlternateContent>
